--- a/TeamProject/src/ppt/3조_호텔예약프로그램장용범,_김태호,_신우현.pptx
+++ b/TeamProject/src/ppt/3조_호텔예약프로그램장용범,_김태호,_신우현.pptx
@@ -268,7 +268,7 @@
   </p:defaultTextStyle>
   <p:extLst>
     <p:ext uri="{EFAFB233-063F-42B5-8137-9DF3F51BA10A}">
-      <p15:sldGuideLst xmlns:p15="http://schemas.microsoft.com/office/powerpoint/2012/main" xmlns="">
+      <p15:sldGuideLst xmlns="" xmlns:p15="http://schemas.microsoft.com/office/powerpoint/2012/main">
         <p15:guide id="1" orient="horz" pos="1620">
           <p15:clr>
             <a:srgbClr val="A4A3A4"/>
@@ -5350,11 +5350,7 @@
             </a:pPr>
             <a:r>
               <a:rPr lang="en-US" altLang="ko-KR" sz="1600" dirty="0" smtClean="0"/>
-              <a:t>2-3) </a:t>
-            </a:r>
-            <a:r>
-              <a:rPr lang="en-US" altLang="ko-KR" sz="1600" dirty="0" smtClean="0"/>
-              <a:t>Hotel interface</a:t>
+              <a:t>2-3) Hotel interface</a:t>
             </a:r>
             <a:endParaRPr lang="en-US" altLang="ko-KR" sz="1600" dirty="0"/>
           </a:p>
@@ -5382,11 +5378,7 @@
             </a:pPr>
             <a:r>
               <a:rPr lang="en-US" altLang="ko-KR" sz="1050" dirty="0" smtClean="0"/>
-              <a:t>- </a:t>
-            </a:r>
-            <a:r>
-              <a:rPr lang="en-US" altLang="ko-KR" sz="1050" dirty="0" smtClean="0"/>
-              <a:t>1. </a:t>
+              <a:t>- 1. </a:t>
             </a:r>
             <a:r>
               <a:rPr lang="ko-KR" altLang="en-US" sz="1050" dirty="0" err="1" smtClean="0"/>
@@ -5441,11 +5433,7 @@
             </a:pPr>
             <a:r>
               <a:rPr lang="en-US" altLang="ko-KR" sz="1050" dirty="0" smtClean="0"/>
-              <a:t>- 3</a:t>
-            </a:r>
-            <a:r>
-              <a:rPr lang="en-US" altLang="ko-KR" sz="1050" dirty="0" smtClean="0"/>
-              <a:t>. </a:t>
+              <a:t>- 3. </a:t>
             </a:r>
             <a:r>
               <a:rPr lang="ko-KR" altLang="en-US" sz="1050" u="sng" dirty="0" err="1" smtClean="0"/>
@@ -5491,10 +5479,6 @@
               <a:rPr lang="en-US" altLang="ko-KR" sz="1050" dirty="0" smtClean="0"/>
               <a:t> == 1/2/3 )</a:t>
             </a:r>
-            <a:r>
-              <a:rPr lang="en-US" altLang="ko-KR" sz="1050" dirty="0" smtClean="0"/>
-              <a:t/>
-            </a:r>
             <a:br>
               <a:rPr lang="en-US" altLang="ko-KR" sz="1050" dirty="0" smtClean="0"/>
             </a:br>
@@ -5532,11 +5516,7 @@
             </a:r>
             <a:r>
               <a:rPr lang="en-US" altLang="ko-KR" sz="1050" dirty="0" smtClean="0"/>
-              <a:t> [ </a:t>
-            </a:r>
-            <a:r>
-              <a:rPr lang="en-US" altLang="ko-KR" sz="1050" dirty="0" smtClean="0"/>
-              <a:t>1.</a:t>
+              <a:t> [ 1.</a:t>
             </a:r>
             <a:r>
               <a:rPr lang="ko-KR" altLang="en-US" sz="1050" dirty="0" smtClean="0">
@@ -5552,11 +5532,7 @@
             </a:r>
             <a:r>
               <a:rPr lang="en-US" altLang="ko-KR" sz="1050" dirty="0" smtClean="0"/>
-              <a:t>/ </a:t>
-            </a:r>
-            <a:r>
-              <a:rPr lang="en-US" altLang="ko-KR" sz="1050" dirty="0" smtClean="0"/>
-              <a:t>2.</a:t>
+              <a:t>/ 2.</a:t>
             </a:r>
             <a:r>
               <a:rPr lang="ko-KR" altLang="en-US" sz="1050" dirty="0" smtClean="0"/>
@@ -5564,11 +5540,7 @@
             </a:r>
             <a:r>
               <a:rPr lang="en-US" altLang="ko-KR" sz="1050" dirty="0" smtClean="0"/>
-              <a:t>/ </a:t>
-            </a:r>
-            <a:r>
-              <a:rPr lang="en-US" altLang="ko-KR" sz="1050" dirty="0" smtClean="0"/>
-              <a:t>3.</a:t>
+              <a:t>/ 3.</a:t>
             </a:r>
             <a:r>
               <a:rPr lang="ko-KR" altLang="en-US" sz="1050" dirty="0" smtClean="0"/>
@@ -5578,7 +5550,6 @@
               <a:rPr lang="en-US" altLang="ko-KR" sz="1050" dirty="0" smtClean="0"/>
               <a:t>]</a:t>
             </a:r>
-            <a:endParaRPr lang="en-US" altLang="ko-KR" sz="1050" dirty="0" smtClean="0"/>
           </a:p>
           <a:p>
             <a:pPr>
@@ -7249,21 +7220,21 @@
                 <a:gridCol w="1709480">
                   <a:extLst>
                     <a:ext uri="{9D8B030D-6E8A-4147-A177-3AD203B41FA5}">
-                      <a16:colId xmlns:a16="http://schemas.microsoft.com/office/drawing/2014/main" xmlns="" val="20000"/>
+                      <a16:colId xmlns="" xmlns:a16="http://schemas.microsoft.com/office/drawing/2014/main" val="20000"/>
                     </a:ext>
                   </a:extLst>
                 </a:gridCol>
                 <a:gridCol w="2540000">
                   <a:extLst>
                     <a:ext uri="{9D8B030D-6E8A-4147-A177-3AD203B41FA5}">
-                      <a16:colId xmlns:a16="http://schemas.microsoft.com/office/drawing/2014/main" xmlns="" val="20001"/>
+                      <a16:colId xmlns="" xmlns:a16="http://schemas.microsoft.com/office/drawing/2014/main" val="20001"/>
                     </a:ext>
                   </a:extLst>
                 </a:gridCol>
                 <a:gridCol w="3846831">
                   <a:extLst>
                     <a:ext uri="{9D8B030D-6E8A-4147-A177-3AD203B41FA5}">
-                      <a16:colId xmlns:a16="http://schemas.microsoft.com/office/drawing/2014/main" xmlns="" val="20002"/>
+                      <a16:colId xmlns="" xmlns:a16="http://schemas.microsoft.com/office/drawing/2014/main" val="20002"/>
                     </a:ext>
                   </a:extLst>
                 </a:gridCol>
@@ -7430,7 +7401,7 @@
                 </a:tc>
                 <a:extLst>
                   <a:ext uri="{0D108BD9-81ED-4DB2-BD59-A6C34878D82A}">
-                    <a16:rowId xmlns:a16="http://schemas.microsoft.com/office/drawing/2014/main" xmlns="" val="10000"/>
+                    <a16:rowId xmlns="" xmlns:a16="http://schemas.microsoft.com/office/drawing/2014/main" val="10000"/>
                   </a:ext>
                 </a:extLst>
               </a:tr>
@@ -7623,7 +7594,7 @@
                 </a:tc>
                 <a:extLst>
                   <a:ext uri="{0D108BD9-81ED-4DB2-BD59-A6C34878D82A}">
-                    <a16:rowId xmlns:a16="http://schemas.microsoft.com/office/drawing/2014/main" xmlns="" val="10001"/>
+                    <a16:rowId xmlns="" xmlns:a16="http://schemas.microsoft.com/office/drawing/2014/main" val="10001"/>
                   </a:ext>
                 </a:extLst>
               </a:tr>
@@ -7844,7 +7815,7 @@
                 </a:tc>
                 <a:extLst>
                   <a:ext uri="{0D108BD9-81ED-4DB2-BD59-A6C34878D82A}">
-                    <a16:rowId xmlns:a16="http://schemas.microsoft.com/office/drawing/2014/main" xmlns="" val="10002"/>
+                    <a16:rowId xmlns="" xmlns:a16="http://schemas.microsoft.com/office/drawing/2014/main" val="10002"/>
                   </a:ext>
                 </a:extLst>
               </a:tr>
@@ -8074,7 +8045,7 @@
                 </a:tc>
                 <a:extLst>
                   <a:ext uri="{0D108BD9-81ED-4DB2-BD59-A6C34878D82A}">
-                    <a16:rowId xmlns:a16="http://schemas.microsoft.com/office/drawing/2014/main" xmlns="" val="10003"/>
+                    <a16:rowId xmlns="" xmlns:a16="http://schemas.microsoft.com/office/drawing/2014/main" val="10003"/>
                   </a:ext>
                 </a:extLst>
               </a:tr>
@@ -8224,21 +8195,21 @@
                 <a:gridCol w="1709480">
                   <a:extLst>
                     <a:ext uri="{9D8B030D-6E8A-4147-A177-3AD203B41FA5}">
-                      <a16:colId xmlns:a16="http://schemas.microsoft.com/office/drawing/2014/main" xmlns="" val="20000"/>
+                      <a16:colId xmlns="" xmlns:a16="http://schemas.microsoft.com/office/drawing/2014/main" val="20000"/>
                     </a:ext>
                   </a:extLst>
                 </a:gridCol>
                 <a:gridCol w="2540000">
                   <a:extLst>
                     <a:ext uri="{9D8B030D-6E8A-4147-A177-3AD203B41FA5}">
-                      <a16:colId xmlns:a16="http://schemas.microsoft.com/office/drawing/2014/main" xmlns="" val="20001"/>
+                      <a16:colId xmlns="" xmlns:a16="http://schemas.microsoft.com/office/drawing/2014/main" val="20001"/>
                     </a:ext>
                   </a:extLst>
                 </a:gridCol>
                 <a:gridCol w="3846831">
                   <a:extLst>
                     <a:ext uri="{9D8B030D-6E8A-4147-A177-3AD203B41FA5}">
-                      <a16:colId xmlns:a16="http://schemas.microsoft.com/office/drawing/2014/main" xmlns="" val="20002"/>
+                      <a16:colId xmlns="" xmlns:a16="http://schemas.microsoft.com/office/drawing/2014/main" val="20002"/>
                     </a:ext>
                   </a:extLst>
                 </a:gridCol>
@@ -8405,7 +8376,7 @@
                 </a:tc>
                 <a:extLst>
                   <a:ext uri="{0D108BD9-81ED-4DB2-BD59-A6C34878D82A}">
-                    <a16:rowId xmlns:a16="http://schemas.microsoft.com/office/drawing/2014/main" xmlns="" val="10000"/>
+                    <a16:rowId xmlns="" xmlns:a16="http://schemas.microsoft.com/office/drawing/2014/main" val="10000"/>
                   </a:ext>
                 </a:extLst>
               </a:tr>
@@ -8598,7 +8569,7 @@
                 </a:tc>
                 <a:extLst>
                   <a:ext uri="{0D108BD9-81ED-4DB2-BD59-A6C34878D82A}">
-                    <a16:rowId xmlns:a16="http://schemas.microsoft.com/office/drawing/2014/main" xmlns="" val="10001"/>
+                    <a16:rowId xmlns="" xmlns:a16="http://schemas.microsoft.com/office/drawing/2014/main" val="10001"/>
                   </a:ext>
                 </a:extLst>
               </a:tr>
@@ -8819,7 +8790,7 @@
                 </a:tc>
                 <a:extLst>
                   <a:ext uri="{0D108BD9-81ED-4DB2-BD59-A6C34878D82A}">
-                    <a16:rowId xmlns:a16="http://schemas.microsoft.com/office/drawing/2014/main" xmlns="" val="10002"/>
+                    <a16:rowId xmlns="" xmlns:a16="http://schemas.microsoft.com/office/drawing/2014/main" val="10002"/>
                   </a:ext>
                 </a:extLst>
               </a:tr>
@@ -9049,7 +9020,7 @@
                 </a:tc>
                 <a:extLst>
                   <a:ext uri="{0D108BD9-81ED-4DB2-BD59-A6C34878D82A}">
-                    <a16:rowId xmlns:a16="http://schemas.microsoft.com/office/drawing/2014/main" xmlns="" val="10003"/>
+                    <a16:rowId xmlns="" xmlns:a16="http://schemas.microsoft.com/office/drawing/2014/main" val="10003"/>
                   </a:ext>
                 </a:extLst>
               </a:tr>
@@ -9479,11 +9450,7 @@
             </a:pPr>
             <a:r>
               <a:rPr lang="en-US" altLang="ko" sz="1800" b="1" dirty="0" smtClean="0"/>
-              <a:t>1</a:t>
-            </a:r>
-            <a:r>
-              <a:rPr lang="en-US" altLang="ko" sz="1800" b="1" dirty="0" smtClean="0"/>
-              <a:t>. </a:t>
+              <a:t>1. </a:t>
             </a:r>
             <a:r>
               <a:rPr lang="ko-KR" altLang="en-US" sz="1800" b="1" dirty="0" smtClean="0"/>
@@ -9694,15 +9661,6 @@
           <a:prstGeom prst="rect">
             <a:avLst/>
           </a:prstGeom>
-          <a:noFill/>
-          <a:ln>
-            <a:solidFill>
-              <a:schemeClr val="accent1">
-                <a:shade val="95000"/>
-                <a:satMod val="105000"/>
-              </a:schemeClr>
-            </a:solidFill>
-          </a:ln>
           <a:extLst>
             <a:ext uri="{909E8E84-426E-40DD-AFC4-6F175D3DCCD1}">
               <a14:hiddenFill xmlns:a14="http://schemas.microsoft.com/office/drawing/2010/main">
@@ -10625,91 +10583,159 @@
           <a:p>
             <a:pPr algn="r"/>
             <a:r>
-              <a:rPr lang="en-US" altLang="ko-KR" sz="600" dirty="0" smtClean="0"/>
+              <a:rPr lang="en-US" altLang="ko-KR" sz="600" dirty="0" smtClean="0">
+                <a:solidFill>
+                  <a:schemeClr val="bg2"/>
+                </a:solidFill>
+              </a:rPr>
               <a:t>2. Member class</a:t>
             </a:r>
           </a:p>
           <a:p>
             <a:pPr algn="r"/>
             <a:r>
-              <a:rPr lang="en-US" altLang="ko-KR" sz="600" dirty="0" smtClean="0"/>
+              <a:rPr lang="en-US" altLang="ko-KR" sz="600" dirty="0" smtClean="0">
+                <a:solidFill>
+                  <a:schemeClr val="bg2"/>
+                </a:solidFill>
+              </a:rPr>
               <a:t>5. </a:t>
             </a:r>
             <a:r>
-              <a:rPr lang="en-US" altLang="ko-KR" sz="600" dirty="0" err="1" smtClean="0"/>
+              <a:rPr lang="en-US" altLang="ko-KR" sz="600" dirty="0" err="1" smtClean="0">
+                <a:solidFill>
+                  <a:schemeClr val="bg2"/>
+                </a:solidFill>
+              </a:rPr>
               <a:t>HotelTotal</a:t>
             </a:r>
             <a:r>
-              <a:rPr lang="en-US" altLang="ko-KR" sz="600" dirty="0" smtClean="0"/>
+              <a:rPr lang="en-US" altLang="ko-KR" sz="600" dirty="0" smtClean="0">
+                <a:solidFill>
+                  <a:schemeClr val="bg2"/>
+                </a:solidFill>
+              </a:rPr>
               <a:t> class</a:t>
             </a:r>
           </a:p>
           <a:p>
             <a:pPr algn="r"/>
             <a:r>
-              <a:rPr lang="en-US" altLang="ko-KR" sz="600" dirty="0" smtClean="0"/>
+              <a:rPr lang="en-US" altLang="ko-KR" sz="600" dirty="0" smtClean="0">
+                <a:solidFill>
+                  <a:schemeClr val="bg2"/>
+                </a:solidFill>
+              </a:rPr>
               <a:t>6. </a:t>
             </a:r>
             <a:r>
-              <a:rPr lang="ko-KR" altLang="en-US" sz="600" dirty="0" smtClean="0"/>
+              <a:rPr lang="ko-KR" altLang="en-US" sz="600" dirty="0" smtClean="0">
+                <a:solidFill>
+                  <a:schemeClr val="bg2"/>
+                </a:solidFill>
+              </a:rPr>
               <a:t>호텔</a:t>
             </a:r>
             <a:r>
-              <a:rPr lang="en-US" altLang="ko-KR" sz="600" dirty="0" smtClean="0"/>
+              <a:rPr lang="en-US" altLang="ko-KR" sz="600" dirty="0" smtClean="0">
+                <a:solidFill>
+                  <a:schemeClr val="bg2"/>
+                </a:solidFill>
+              </a:rPr>
               <a:t>1 class</a:t>
             </a:r>
           </a:p>
           <a:p>
             <a:pPr algn="r"/>
             <a:r>
-              <a:rPr lang="en-US" altLang="ko-KR" sz="600" dirty="0" smtClean="0"/>
+              <a:rPr lang="en-US" altLang="ko-KR" sz="600" dirty="0" smtClean="0">
+                <a:solidFill>
+                  <a:schemeClr val="bg2"/>
+                </a:solidFill>
+              </a:rPr>
               <a:t>7. </a:t>
             </a:r>
             <a:r>
-              <a:rPr lang="ko-KR" altLang="en-US" sz="600" dirty="0" smtClean="0"/>
+              <a:rPr lang="ko-KR" altLang="en-US" sz="600" dirty="0" smtClean="0">
+                <a:solidFill>
+                  <a:schemeClr val="bg2"/>
+                </a:solidFill>
+              </a:rPr>
               <a:t>호텔</a:t>
             </a:r>
             <a:r>
-              <a:rPr lang="en-US" altLang="ko-KR" sz="600" dirty="0" smtClean="0"/>
+              <a:rPr lang="en-US" altLang="ko-KR" sz="600" dirty="0" smtClean="0">
+                <a:solidFill>
+                  <a:schemeClr val="bg2"/>
+                </a:solidFill>
+              </a:rPr>
               <a:t>2 class</a:t>
             </a:r>
           </a:p>
           <a:p>
             <a:pPr algn="r"/>
             <a:r>
-              <a:rPr lang="en-US" altLang="ko-KR" sz="600" dirty="0" smtClean="0"/>
+              <a:rPr lang="en-US" altLang="ko-KR" sz="600" dirty="0" smtClean="0">
+                <a:solidFill>
+                  <a:schemeClr val="bg2"/>
+                </a:solidFill>
+              </a:rPr>
               <a:t>8. </a:t>
             </a:r>
             <a:r>
-              <a:rPr lang="ko-KR" altLang="en-US" sz="600" dirty="0" smtClean="0"/>
+              <a:rPr lang="ko-KR" altLang="en-US" sz="600" dirty="0" smtClean="0">
+                <a:solidFill>
+                  <a:schemeClr val="bg2"/>
+                </a:solidFill>
+              </a:rPr>
               <a:t>호텔</a:t>
             </a:r>
             <a:r>
-              <a:rPr lang="en-US" altLang="ko-KR" sz="600" dirty="0" smtClean="0"/>
+              <a:rPr lang="en-US" altLang="ko-KR" sz="600" dirty="0" smtClean="0">
+                <a:solidFill>
+                  <a:schemeClr val="bg2"/>
+                </a:solidFill>
+              </a:rPr>
               <a:t>3 class</a:t>
             </a:r>
           </a:p>
           <a:p>
             <a:pPr algn="r"/>
             <a:r>
-              <a:rPr lang="en-US" altLang="ko-KR" sz="600" dirty="0" smtClean="0"/>
+              <a:rPr lang="en-US" altLang="ko-KR" sz="600" dirty="0" smtClean="0">
+                <a:solidFill>
+                  <a:schemeClr val="bg2"/>
+                </a:solidFill>
+              </a:rPr>
               <a:t>9. Room class</a:t>
             </a:r>
           </a:p>
           <a:p>
             <a:pPr algn="r"/>
             <a:r>
-              <a:rPr lang="en-US" altLang="ko-KR" sz="600" dirty="0" smtClean="0"/>
+              <a:rPr lang="en-US" altLang="ko-KR" sz="600" dirty="0" smtClean="0">
+                <a:solidFill>
+                  <a:schemeClr val="bg2"/>
+                </a:solidFill>
+              </a:rPr>
               <a:t>10. File class</a:t>
             </a:r>
           </a:p>
           <a:p>
             <a:pPr algn="r"/>
             <a:r>
-              <a:rPr lang="en-US" altLang="ko-KR" sz="600" dirty="0" smtClean="0"/>
+              <a:rPr lang="en-US" altLang="ko-KR" sz="600" dirty="0" smtClean="0">
+                <a:solidFill>
+                  <a:schemeClr val="bg2"/>
+                </a:solidFill>
+              </a:rPr>
               <a:t>11. File Thread</a:t>
             </a:r>
-            <a:endParaRPr lang="ko-KR" altLang="en-US" sz="600" dirty="0"/>
+            <a:endParaRPr lang="ko-KR" altLang="en-US" sz="600" dirty="0">
+              <a:solidFill>
+                <a:schemeClr val="bg2"/>
+              </a:solidFill>
+            </a:endParaRPr>
           </a:p>
         </p:txBody>
       </p:sp>
@@ -10754,21 +10780,37 @@
           <a:p>
             <a:pPr algn="r"/>
             <a:r>
-              <a:rPr lang="en-US" altLang="ko-KR" sz="600" dirty="0" smtClean="0"/>
+              <a:rPr lang="en-US" altLang="ko-KR" sz="600" dirty="0" smtClean="0">
+                <a:solidFill>
+                  <a:schemeClr val="bg2"/>
+                </a:solidFill>
+              </a:rPr>
               <a:t>3. Member controller class</a:t>
             </a:r>
           </a:p>
           <a:p>
             <a:pPr algn="r"/>
             <a:r>
-              <a:rPr lang="en-US" altLang="ko-KR" sz="600" dirty="0"/>
+              <a:rPr lang="en-US" altLang="ko-KR" sz="600" dirty="0">
+                <a:solidFill>
+                  <a:schemeClr val="bg2"/>
+                </a:solidFill>
+              </a:rPr>
               <a:t>4. Hotel </a:t>
             </a:r>
             <a:r>
-              <a:rPr lang="ko-KR" altLang="en-US" sz="600" dirty="0" smtClean="0"/>
+              <a:rPr lang="ko-KR" altLang="en-US" sz="600" dirty="0" smtClean="0">
+                <a:solidFill>
+                  <a:schemeClr val="bg2"/>
+                </a:solidFill>
+              </a:rPr>
               <a:t>인터페이스</a:t>
             </a:r>
-            <a:endParaRPr lang="ko-KR" altLang="en-US" sz="600" dirty="0"/>
+            <a:endParaRPr lang="ko-KR" altLang="en-US" sz="600" dirty="0">
+              <a:solidFill>
+                <a:schemeClr val="bg2"/>
+              </a:solidFill>
+            </a:endParaRPr>
           </a:p>
         </p:txBody>
       </p:sp>
@@ -10813,10 +10855,18 @@
           <a:p>
             <a:pPr algn="r"/>
             <a:r>
-              <a:rPr lang="en-US" altLang="ko-KR" sz="600" dirty="0" smtClean="0"/>
+              <a:rPr lang="en-US" altLang="ko-KR" sz="600" dirty="0" smtClean="0">
+                <a:solidFill>
+                  <a:schemeClr val="bg2"/>
+                </a:solidFill>
+              </a:rPr>
               <a:t>1. Main class</a:t>
             </a:r>
-            <a:endParaRPr lang="ko-KR" altLang="en-US" sz="600" dirty="0"/>
+            <a:endParaRPr lang="ko-KR" altLang="en-US" sz="600" dirty="0">
+              <a:solidFill>
+                <a:schemeClr val="bg2"/>
+              </a:solidFill>
+            </a:endParaRPr>
           </a:p>
         </p:txBody>
       </p:sp>
@@ -11571,29 +11621,57 @@
           <a:p>
             <a:pPr algn="ctr"/>
             <a:r>
-              <a:rPr lang="en-US" altLang="ko-KR" sz="800" dirty="0" smtClean="0"/>
+              <a:rPr lang="en-US" altLang="ko-KR" sz="800" dirty="0" smtClean="0">
+                <a:solidFill>
+                  <a:schemeClr val="bg2"/>
+                </a:solidFill>
+              </a:rPr>
               <a:t>M(</a:t>
             </a:r>
             <a:r>
-              <a:rPr lang="ko-KR" altLang="en-US" sz="800" dirty="0" smtClean="0"/>
+              <a:rPr lang="ko-KR" altLang="en-US" sz="800" dirty="0" smtClean="0">
+                <a:solidFill>
+                  <a:schemeClr val="bg2"/>
+                </a:solidFill>
+              </a:rPr>
               <a:t>데이터</a:t>
             </a:r>
             <a:r>
-              <a:rPr lang="en-US" altLang="ko-KR" sz="800" dirty="0" smtClean="0"/>
+              <a:rPr lang="en-US" altLang="ko-KR" sz="800" dirty="0" smtClean="0">
+                <a:solidFill>
+                  <a:schemeClr val="bg2"/>
+                </a:solidFill>
+              </a:rPr>
               <a:t>)</a:t>
             </a:r>
             <a:br>
-              <a:rPr lang="en-US" altLang="ko-KR" sz="800" dirty="0" smtClean="0"/>
+              <a:rPr lang="en-US" altLang="ko-KR" sz="800" dirty="0" smtClean="0">
+                <a:solidFill>
+                  <a:schemeClr val="bg2"/>
+                </a:solidFill>
+              </a:rPr>
             </a:br>
             <a:r>
-              <a:rPr lang="ko-KR" altLang="en-US" sz="600" dirty="0" smtClean="0"/>
+              <a:rPr lang="ko-KR" altLang="en-US" sz="600" dirty="0" smtClean="0">
+                <a:solidFill>
+                  <a:schemeClr val="bg2"/>
+                </a:solidFill>
+              </a:rPr>
               <a:t>* </a:t>
             </a:r>
             <a:r>
-              <a:rPr lang="en-US" altLang="ko-KR" sz="600" dirty="0" smtClean="0"/>
+              <a:rPr lang="en-US" altLang="ko-KR" sz="600" dirty="0" smtClean="0">
+                <a:solidFill>
+                  <a:schemeClr val="bg2"/>
+                </a:solidFill>
+              </a:rPr>
               <a:t>database</a:t>
             </a:r>
-            <a:endParaRPr lang="ko-KR" altLang="en-US" sz="600" dirty="0"/>
+            <a:endParaRPr lang="ko-KR" altLang="en-US" sz="600" dirty="0">
+              <a:solidFill>
+                <a:schemeClr val="bg2"/>
+              </a:solidFill>
+            </a:endParaRPr>
           </a:p>
         </p:txBody>
       </p:sp>
@@ -11633,18 +11711,34 @@
           <a:p>
             <a:pPr algn="ctr"/>
             <a:r>
-              <a:rPr lang="en-US" altLang="ko-KR" sz="800" dirty="0" smtClean="0"/>
+              <a:rPr lang="en-US" altLang="ko-KR" sz="800" dirty="0" smtClean="0">
+                <a:solidFill>
+                  <a:schemeClr val="bg2"/>
+                </a:solidFill>
+              </a:rPr>
               <a:t>V(</a:t>
             </a:r>
             <a:r>
-              <a:rPr lang="ko-KR" altLang="en-US" sz="800" dirty="0" smtClean="0"/>
+              <a:rPr lang="ko-KR" altLang="en-US" sz="800" dirty="0" smtClean="0">
+                <a:solidFill>
+                  <a:schemeClr val="bg2"/>
+                </a:solidFill>
+              </a:rPr>
               <a:t>구현</a:t>
             </a:r>
             <a:r>
-              <a:rPr lang="en-US" altLang="ko-KR" sz="800" dirty="0" smtClean="0"/>
+              <a:rPr lang="en-US" altLang="ko-KR" sz="800" dirty="0" smtClean="0">
+                <a:solidFill>
+                  <a:schemeClr val="bg2"/>
+                </a:solidFill>
+              </a:rPr>
               <a:t>)</a:t>
             </a:r>
-            <a:endParaRPr lang="ko-KR" altLang="en-US" sz="800" dirty="0"/>
+            <a:endParaRPr lang="ko-KR" altLang="en-US" sz="800" dirty="0">
+              <a:solidFill>
+                <a:schemeClr val="bg2"/>
+              </a:solidFill>
+            </a:endParaRPr>
           </a:p>
         </p:txBody>
       </p:sp>
@@ -11684,18 +11778,34 @@
           <a:p>
             <a:pPr algn="ctr"/>
             <a:r>
-              <a:rPr lang="en-US" altLang="ko-KR" sz="800" dirty="0" smtClean="0"/>
+              <a:rPr lang="en-US" altLang="ko-KR" sz="800" dirty="0" smtClean="0">
+                <a:solidFill>
+                  <a:schemeClr val="bg2"/>
+                </a:solidFill>
+              </a:rPr>
               <a:t>C(</a:t>
             </a:r>
             <a:r>
-              <a:rPr lang="ko-KR" altLang="en-US" sz="800" dirty="0" smtClean="0"/>
+              <a:rPr lang="ko-KR" altLang="en-US" sz="800" dirty="0" smtClean="0">
+                <a:solidFill>
+                  <a:schemeClr val="bg2"/>
+                </a:solidFill>
+              </a:rPr>
               <a:t>제어</a:t>
             </a:r>
             <a:r>
-              <a:rPr lang="en-US" altLang="ko-KR" sz="800" dirty="0" smtClean="0"/>
+              <a:rPr lang="en-US" altLang="ko-KR" sz="800" dirty="0" smtClean="0">
+                <a:solidFill>
+                  <a:schemeClr val="bg2"/>
+                </a:solidFill>
+              </a:rPr>
               <a:t>)</a:t>
             </a:r>
-            <a:endParaRPr lang="ko-KR" altLang="en-US" sz="800" dirty="0"/>
+            <a:endParaRPr lang="ko-KR" altLang="en-US" sz="800" dirty="0">
+              <a:solidFill>
+                <a:schemeClr val="bg2"/>
+              </a:solidFill>
+            </a:endParaRPr>
           </a:p>
         </p:txBody>
       </p:sp>
@@ -12522,11 +12632,7 @@
             </a:pPr>
             <a:r>
               <a:rPr lang="en-US" altLang="ko-KR" sz="1100" dirty="0" smtClean="0"/>
-              <a:t>- 3</a:t>
-            </a:r>
-            <a:r>
-              <a:rPr lang="en-US" altLang="ko-KR" sz="1100" dirty="0" smtClean="0"/>
-              <a:t>. </a:t>
+              <a:t>- 3. </a:t>
             </a:r>
             <a:r>
               <a:rPr lang="ko-KR" altLang="en-US" sz="1100" u="sng" dirty="0" err="1" smtClean="0"/>
@@ -12572,16 +12678,12 @@
               <a:rPr lang="en-US" altLang="ko-KR" sz="1050" dirty="0" smtClean="0"/>
               <a:t> == 1/2/3 )</a:t>
             </a:r>
-            <a:r>
-              <a:rPr lang="en-US" altLang="ko-KR" sz="1050" dirty="0" smtClean="0"/>
-              <a:t/>
-            </a:r>
             <a:br>
               <a:rPr lang="en-US" altLang="ko-KR" sz="1050" dirty="0" smtClean="0"/>
             </a:br>
             <a:r>
               <a:rPr lang="en-US" altLang="ko-KR" sz="1050" dirty="0" smtClean="0"/>
-              <a:t>     </a:t>
+              <a:t>      </a:t>
             </a:r>
             <a:r>
               <a:rPr lang="ko-KR" altLang="en-US" sz="1050" dirty="0" smtClean="0"/>
@@ -12613,11 +12715,7 @@
             </a:r>
             <a:r>
               <a:rPr lang="en-US" altLang="ko-KR" sz="1050" dirty="0" smtClean="0"/>
-              <a:t> [ </a:t>
-            </a:r>
-            <a:r>
-              <a:rPr lang="en-US" altLang="ko-KR" sz="1050" dirty="0" smtClean="0"/>
-              <a:t>1.</a:t>
+              <a:t> [ 1.</a:t>
             </a:r>
             <a:r>
               <a:rPr lang="ko-KR" altLang="en-US" sz="1050" dirty="0" smtClean="0">
@@ -12633,11 +12731,7 @@
             </a:r>
             <a:r>
               <a:rPr lang="en-US" altLang="ko-KR" sz="1050" dirty="0" smtClean="0"/>
-              <a:t>/ </a:t>
-            </a:r>
-            <a:r>
-              <a:rPr lang="en-US" altLang="ko-KR" sz="1050" dirty="0" smtClean="0"/>
-              <a:t>2.</a:t>
+              <a:t>/ 2.</a:t>
             </a:r>
             <a:r>
               <a:rPr lang="ko-KR" altLang="en-US" sz="1050" dirty="0" smtClean="0"/>
@@ -12645,11 +12739,7 @@
             </a:r>
             <a:r>
               <a:rPr lang="en-US" altLang="ko-KR" sz="1050" dirty="0" smtClean="0"/>
-              <a:t>/ </a:t>
-            </a:r>
-            <a:r>
-              <a:rPr lang="en-US" altLang="ko-KR" sz="1050" dirty="0" smtClean="0"/>
-              <a:t>3.</a:t>
+              <a:t>/ 3.</a:t>
             </a:r>
             <a:r>
               <a:rPr lang="ko-KR" altLang="en-US" sz="1050" dirty="0" smtClean="0"/>
@@ -12659,7 +12749,6 @@
               <a:rPr lang="en-US" altLang="ko-KR" sz="1050" dirty="0" smtClean="0"/>
               <a:t>]</a:t>
             </a:r>
-            <a:endParaRPr lang="en-US" altLang="ko-KR" sz="1050" dirty="0" smtClean="0"/>
           </a:p>
           <a:p>
             <a:pPr>
@@ -12674,7 +12763,11 @@
             </a:r>
             <a:r>
               <a:rPr lang="en-US" altLang="ko-KR" sz="1050" dirty="0" smtClean="0"/>
-              <a:t> &gt; </a:t>
+              <a:t>    </a:t>
+            </a:r>
+            <a:r>
+              <a:rPr lang="en-US" altLang="ko-KR" sz="1050" dirty="0" smtClean="0"/>
+              <a:t>&gt; </a:t>
             </a:r>
             <a:r>
               <a:rPr lang="ko-KR" altLang="en-US" sz="1050" dirty="0" smtClean="0"/>
@@ -12693,11 +12786,19 @@
             </a:r>
             <a:r>
               <a:rPr lang="en-US" altLang="ko-KR" sz="1050" dirty="0" smtClean="0"/>
+              <a:t>   </a:t>
+            </a:r>
+            <a:r>
+              <a:rPr lang="en-US" altLang="ko-KR" sz="1050" dirty="0" smtClean="0"/>
               <a:t>    </a:t>
             </a:r>
             <a:r>
-              <a:rPr lang="ko-KR" altLang="en-US" sz="1050" dirty="0" err="1" smtClean="0"/>
-              <a:t>제한설정</a:t>
+              <a:rPr lang="ko-KR" altLang="en-US" sz="1050" dirty="0" smtClean="0"/>
+              <a:t>가입제</a:t>
+            </a:r>
+            <a:r>
+              <a:rPr lang="ko-KR" altLang="en-US" sz="1050" dirty="0"/>
+              <a:t>한</a:t>
             </a:r>
             <a:endParaRPr lang="ko-KR" altLang="en-US" sz="1050" dirty="0"/>
           </a:p>
@@ -13947,8 +14048,8 @@
         </p:blipFill>
         <p:spPr>
           <a:xfrm>
-            <a:off x="2529840" y="10788"/>
-            <a:ext cx="4372610" cy="4592962"/>
+            <a:off x="2440069" y="10788"/>
+            <a:ext cx="4548106" cy="4777302"/>
           </a:xfrm>
           <a:prstGeom prst="rect">
             <a:avLst/>
@@ -13963,8 +14064,8 @@
         </p:nvSpPr>
         <p:spPr>
           <a:xfrm>
-            <a:off x="2583180" y="52056"/>
-            <a:ext cx="4319270" cy="4551694"/>
+            <a:off x="2495550" y="52055"/>
+            <a:ext cx="4492625" cy="4734377"/>
           </a:xfrm>
           <a:prstGeom prst="rect">
             <a:avLst/>
@@ -14014,8 +14115,8 @@
         </p:nvSpPr>
         <p:spPr>
           <a:xfrm>
-            <a:off x="2636520" y="93324"/>
-            <a:ext cx="4229725" cy="4510426"/>
+            <a:off x="2552485" y="93323"/>
+            <a:ext cx="4399486" cy="4691453"/>
           </a:xfrm>
           <a:prstGeom prst="rect">
             <a:avLst/>
@@ -14065,8 +14166,8 @@
         </p:nvSpPr>
         <p:spPr>
           <a:xfrm>
-            <a:off x="2684145" y="511118"/>
-            <a:ext cx="4035322" cy="4092632"/>
+            <a:off x="2607911" y="511117"/>
+            <a:ext cx="4197281" cy="4256891"/>
           </a:xfrm>
           <a:prstGeom prst="rect">
             <a:avLst/>
@@ -14124,7 +14225,7 @@
         </p:blipFill>
         <p:spPr>
           <a:xfrm>
-            <a:off x="6902450" y="2088725"/>
+            <a:off x="6988175" y="2088725"/>
             <a:ext cx="2241550" cy="2711360"/>
           </a:xfrm>
           <a:prstGeom prst="rect">
@@ -14140,7 +14241,7 @@
         </p:nvSpPr>
         <p:spPr>
           <a:xfrm>
-            <a:off x="6945637" y="52755"/>
+            <a:off x="7031362" y="52755"/>
             <a:ext cx="2171075" cy="4566235"/>
           </a:xfrm>
           <a:prstGeom prst="rect">
@@ -14191,8 +14292,8 @@
         </p:nvSpPr>
         <p:spPr>
           <a:xfrm>
-            <a:off x="2963142" y="1355641"/>
-            <a:ext cx="3844294" cy="3248109"/>
+            <a:off x="2894575" y="1355641"/>
+            <a:ext cx="3998586" cy="3378473"/>
           </a:xfrm>
           <a:prstGeom prst="rect">
             <a:avLst/>
@@ -14244,8 +14345,8 @@
         </p:nvSpPr>
         <p:spPr>
           <a:xfrm>
-            <a:off x="4856" y="1261274"/>
-            <a:ext cx="3173790" cy="3257400"/>
+            <a:off x="4856" y="1261273"/>
+            <a:ext cx="3173790" cy="3486939"/>
           </a:xfrm>
           <a:prstGeom prst="rect">
             <a:avLst/>
@@ -14523,11 +14624,7 @@
             </a:pPr>
             <a:r>
               <a:rPr lang="en-US" altLang="ko-KR" sz="1100" dirty="0" smtClean="0"/>
-              <a:t>- </a:t>
-            </a:r>
-            <a:r>
-              <a:rPr lang="en-US" altLang="ko-KR" sz="1100" dirty="0" smtClean="0"/>
-              <a:t>4. </a:t>
+              <a:t>- 4. </a:t>
             </a:r>
             <a:r>
               <a:rPr lang="ko-KR" altLang="en-US" sz="1100" dirty="0" err="1" smtClean="0"/>
@@ -14586,11 +14683,7 @@
             </a:r>
             <a:r>
               <a:rPr lang="en-US" altLang="ko-KR" sz="1050" dirty="0" smtClean="0"/>
-              <a:t> [ </a:t>
-            </a:r>
-            <a:r>
-              <a:rPr lang="en-US" altLang="ko-KR" sz="1050" dirty="0" smtClean="0"/>
-              <a:t>1.</a:t>
+              <a:t> [ 1.</a:t>
             </a:r>
             <a:r>
               <a:rPr lang="ko-KR" altLang="en-US" sz="1050" dirty="0" smtClean="0"/>
@@ -14598,11 +14691,7 @@
             </a:r>
             <a:r>
               <a:rPr lang="en-US" altLang="ko-KR" sz="1050" dirty="0" smtClean="0"/>
-              <a:t>/ </a:t>
-            </a:r>
-            <a:r>
-              <a:rPr lang="en-US" altLang="ko-KR" sz="1050" dirty="0" smtClean="0"/>
-              <a:t>2.</a:t>
+              <a:t>/ 2.</a:t>
             </a:r>
             <a:r>
               <a:rPr lang="ko-KR" altLang="en-US" sz="1050" dirty="0" smtClean="0">
@@ -14667,10 +14756,6 @@
               <a:rPr lang="en-US" altLang="ko-KR" sz="1100" dirty="0" smtClean="0"/>
               <a:t>]</a:t>
             </a:r>
-            <a:r>
-              <a:rPr lang="en-US" altLang="ko-KR" sz="1100" dirty="0" smtClean="0"/>
-              <a:t/>
-            </a:r>
             <a:br>
               <a:rPr lang="en-US" altLang="ko-KR" sz="1100" dirty="0" smtClean="0"/>
             </a:br>
@@ -14688,15 +14773,7 @@
                   <a:schemeClr val="bg2"/>
                 </a:solidFill>
               </a:rPr>
-              <a:t>로그인 성공 </a:t>
-            </a:r>
-            <a:r>
-              <a:rPr lang="ko-KR" altLang="en-US" sz="1050" b="1" dirty="0" smtClean="0">
-                <a:solidFill>
-                  <a:schemeClr val="bg2"/>
-                </a:solidFill>
-              </a:rPr>
-              <a:t>시</a:t>
+              <a:t>로그인 성공 시</a:t>
             </a:r>
             <a:r>
               <a:rPr lang="ko-KR" altLang="en-US" sz="1050" dirty="0">
@@ -14730,6 +14807,45 @@
               </a:rPr>
               <a:t>)</a:t>
             </a:r>
+            <a:br>
+              <a:rPr lang="en-US" altLang="ko-KR" sz="1050" dirty="0" smtClean="0">
+                <a:solidFill>
+                  <a:schemeClr val="bg2"/>
+                </a:solidFill>
+              </a:rPr>
+            </a:br>
+            <a:r>
+              <a:rPr lang="en-US" altLang="ko-KR" sz="1050" dirty="0" smtClean="0">
+                <a:solidFill>
+                  <a:schemeClr val="bg2"/>
+                </a:solidFill>
+              </a:rPr>
+              <a:t>    </a:t>
+            </a:r>
+            <a:r>
+              <a:rPr lang="ko-KR" altLang="en-US" sz="1050" dirty="0" smtClean="0">
+                <a:solidFill>
+                  <a:schemeClr val="bg2"/>
+                </a:solidFill>
+              </a:rPr>
+              <a:t>예약을 위한 </a:t>
+            </a:r>
+            <a:r>
+              <a:rPr lang="ko-KR" altLang="en-US" sz="1050" dirty="0" err="1" smtClean="0">
+                <a:solidFill>
+                  <a:schemeClr val="bg2"/>
+                </a:solidFill>
+              </a:rPr>
+              <a:t>입력값</a:t>
+            </a:r>
+            <a:r>
+              <a:rPr lang="ko-KR" altLang="en-US" sz="1050" dirty="0" smtClean="0">
+                <a:solidFill>
+                  <a:schemeClr val="bg2"/>
+                </a:solidFill>
+              </a:rPr>
+              <a:t> 별 구성</a:t>
+            </a:r>
             <a:r>
               <a:rPr lang="en-US" altLang="ko-KR" sz="1050" dirty="0" smtClean="0">
                 <a:solidFill>
@@ -14751,78 +14867,15 @@
                   <a:schemeClr val="bg2"/>
                 </a:solidFill>
               </a:rPr>
-              <a:t>    </a:t>
-            </a:r>
-            <a:r>
-              <a:rPr lang="ko-KR" altLang="en-US" sz="1050" dirty="0" smtClean="0">
+              <a:t>     </a:t>
+            </a:r>
+            <a:r>
+              <a:rPr lang="en-US" altLang="ko-KR" sz="1050" u="sng" dirty="0" smtClean="0">
                 <a:solidFill>
                   <a:schemeClr val="bg2"/>
                 </a:solidFill>
               </a:rPr>
-              <a:t>예약을 위한 </a:t>
-            </a:r>
-            <a:r>
-              <a:rPr lang="ko-KR" altLang="en-US" sz="1050" dirty="0" err="1" smtClean="0">
-                <a:solidFill>
-                  <a:schemeClr val="bg2"/>
-                </a:solidFill>
-              </a:rPr>
-              <a:t>입력값</a:t>
-            </a:r>
-            <a:r>
-              <a:rPr lang="ko-KR" altLang="en-US" sz="1050" dirty="0" smtClean="0">
-                <a:solidFill>
-                  <a:schemeClr val="bg2"/>
-                </a:solidFill>
-              </a:rPr>
-              <a:t> 별 구성</a:t>
-            </a:r>
-            <a:r>
-              <a:rPr lang="en-US" altLang="ko-KR" sz="1050" dirty="0" smtClean="0">
-                <a:solidFill>
-                  <a:schemeClr val="bg2"/>
-                </a:solidFill>
-              </a:rPr>
-              <a:t/>
-            </a:r>
-            <a:br>
-              <a:rPr lang="en-US" altLang="ko-KR" sz="1050" dirty="0" smtClean="0">
-                <a:solidFill>
-                  <a:schemeClr val="bg2"/>
-                </a:solidFill>
-              </a:rPr>
-            </a:br>
-            <a:r>
-              <a:rPr lang="en-US" altLang="ko-KR" sz="1050" dirty="0" smtClean="0">
-                <a:solidFill>
-                  <a:schemeClr val="bg2"/>
-                </a:solidFill>
-              </a:rPr>
-              <a:t>     </a:t>
-            </a:r>
-            <a:r>
-              <a:rPr lang="en-US" altLang="ko-KR" sz="1050" u="sng" dirty="0" smtClean="0">
-                <a:solidFill>
-                  <a:schemeClr val="bg2"/>
-                </a:solidFill>
-              </a:rPr>
-              <a:t>While </a:t>
-            </a:r>
-            <a:r>
-              <a:rPr lang="en-US" altLang="ko-KR" sz="1050" u="sng" dirty="0" smtClean="0">
-                <a:solidFill>
-                  <a:schemeClr val="bg2"/>
-                </a:solidFill>
-              </a:rPr>
-              <a:t>(true) { if </a:t>
-            </a:r>
-            <a:r>
-              <a:rPr lang="en-US" altLang="ko-KR" sz="1050" u="sng" dirty="0" smtClean="0">
-                <a:solidFill>
-                  <a:schemeClr val="bg2"/>
-                </a:solidFill>
-              </a:rPr>
-              <a:t>(</a:t>
+              <a:t>While (true) { if (</a:t>
             </a:r>
             <a:r>
               <a:rPr lang="en-US" altLang="ko-KR" sz="1050" u="sng" dirty="0" err="1" smtClean="0">
@@ -14838,15 +14891,7 @@
                   <a:schemeClr val="bg2"/>
                 </a:solidFill>
               </a:rPr>
-              <a:t> </a:t>
-            </a:r>
-            <a:r>
-              <a:rPr lang="en-US" altLang="ko-KR" sz="1050" u="sng" dirty="0" smtClean="0">
-                <a:solidFill>
-                  <a:schemeClr val="bg2"/>
-                </a:solidFill>
-              </a:rPr>
-              <a:t>== 1~5) }</a:t>
+              <a:t> == 1~5) }</a:t>
             </a:r>
           </a:p>
           <a:p>
@@ -14870,23 +14915,23 @@
               <a:buSzPts val="2600"/>
             </a:pPr>
             <a:r>
-              <a:rPr lang="en-US" altLang="ko-KR" sz="900" dirty="0" smtClean="0">
+              <a:rPr lang="en-US" altLang="ko-KR" sz="800" dirty="0" smtClean="0">
                 <a:solidFill>
                   <a:schemeClr val="bg2"/>
                 </a:solidFill>
               </a:rPr>
-              <a:t> 1</a:t>
-            </a:r>
-            <a:r>
-              <a:rPr lang="en-US" altLang="ko-KR" sz="900" dirty="0" smtClean="0">
+              <a:t>      </a:t>
+            </a:r>
+            <a:r>
+              <a:rPr lang="en-US" altLang="ko-KR" sz="800" dirty="0" smtClean="0">
                 <a:solidFill>
                   <a:schemeClr val="bg2"/>
                 </a:solidFill>
               </a:rPr>
-              <a:t>. </a:t>
-            </a:r>
-            <a:r>
-              <a:rPr lang="ko-KR" altLang="en-US" sz="900" dirty="0" err="1" smtClean="0">
+              <a:t>1. </a:t>
+            </a:r>
+            <a:r>
+              <a:rPr lang="ko-KR" altLang="en-US" sz="800" dirty="0" err="1" smtClean="0">
                 <a:solidFill>
                   <a:schemeClr val="bg2"/>
                 </a:solidFill>
@@ -14894,7 +14939,7 @@
               <a:t>예약등록</a:t>
             </a:r>
             <a:r>
-              <a:rPr lang="ko-KR" altLang="en-US" sz="900" dirty="0" smtClean="0">
+              <a:rPr lang="ko-KR" altLang="en-US" sz="800" dirty="0" smtClean="0">
                 <a:solidFill>
                   <a:schemeClr val="bg2"/>
                 </a:solidFill>
@@ -14902,7 +14947,7 @@
               <a:t> </a:t>
             </a:r>
             <a:r>
-              <a:rPr lang="en-US" altLang="ko-KR" sz="900" dirty="0" smtClean="0">
+              <a:rPr lang="en-US" altLang="ko-KR" sz="800" dirty="0" smtClean="0">
                 <a:solidFill>
                   <a:schemeClr val="bg2"/>
                 </a:solidFill>
@@ -14910,7 +14955,7 @@
               <a:t>2. </a:t>
             </a:r>
             <a:r>
-              <a:rPr lang="ko-KR" altLang="en-US" sz="900" dirty="0" err="1" smtClean="0">
+              <a:rPr lang="ko-KR" altLang="en-US" sz="800" dirty="0" err="1" smtClean="0">
                 <a:solidFill>
                   <a:schemeClr val="bg2"/>
                 </a:solidFill>
@@ -14918,7 +14963,7 @@
               <a:t>예약취소</a:t>
             </a:r>
             <a:r>
-              <a:rPr lang="ko-KR" altLang="en-US" sz="900" dirty="0" smtClean="0">
+              <a:rPr lang="ko-KR" altLang="en-US" sz="800" dirty="0" smtClean="0">
                 <a:solidFill>
                   <a:schemeClr val="bg2"/>
                 </a:solidFill>
@@ -14926,7 +14971,7 @@
               <a:t> </a:t>
             </a:r>
             <a:r>
-              <a:rPr lang="en-US" altLang="ko-KR" sz="900" dirty="0" smtClean="0">
+              <a:rPr lang="en-US" altLang="ko-KR" sz="800" dirty="0" smtClean="0">
                 <a:solidFill>
                   <a:schemeClr val="bg2"/>
                 </a:solidFill>
@@ -14934,7 +14979,7 @@
               <a:t>3. </a:t>
             </a:r>
             <a:r>
-              <a:rPr lang="ko-KR" altLang="en-US" sz="900" dirty="0" smtClean="0">
+              <a:rPr lang="ko-KR" altLang="en-US" sz="800" dirty="0" smtClean="0">
                 <a:solidFill>
                   <a:schemeClr val="bg2"/>
                 </a:solidFill>
@@ -14942,7 +14987,7 @@
               <a:t>본인예약조회</a:t>
             </a:r>
             <a:r>
-              <a:rPr lang="en-US" altLang="ko-KR" sz="900" dirty="0" smtClean="0">
+              <a:rPr lang="en-US" altLang="ko-KR" sz="800" dirty="0" smtClean="0">
                 <a:solidFill>
                   <a:schemeClr val="bg2"/>
                 </a:solidFill>
@@ -14950,30 +14995,30 @@
               <a:t/>
             </a:r>
             <a:br>
-              <a:rPr lang="en-US" altLang="ko-KR" sz="900" dirty="0" smtClean="0">
+              <a:rPr lang="en-US" altLang="ko-KR" sz="800" dirty="0" smtClean="0">
                 <a:solidFill>
                   <a:schemeClr val="bg2"/>
                 </a:solidFill>
               </a:rPr>
             </a:br>
             <a:r>
-              <a:rPr lang="en-US" altLang="ko-KR" sz="900" dirty="0" smtClean="0">
+              <a:rPr lang="en-US" altLang="ko-KR" sz="800" dirty="0" smtClean="0">
                 <a:solidFill>
                   <a:schemeClr val="bg2"/>
                 </a:solidFill>
               </a:rPr>
-              <a:t> 4</a:t>
-            </a:r>
-            <a:r>
-              <a:rPr lang="en-US" altLang="ko-KR" sz="900" dirty="0" smtClean="0">
+              <a:t>      </a:t>
+            </a:r>
+            <a:r>
+              <a:rPr lang="en-US" altLang="ko-KR" sz="800" dirty="0" smtClean="0">
                 <a:solidFill>
                   <a:schemeClr val="bg2"/>
                 </a:solidFill>
               </a:rPr>
-              <a:t>. </a:t>
-            </a:r>
-            <a:r>
-              <a:rPr lang="ko-KR" altLang="en-US" sz="900" dirty="0" smtClean="0">
+              <a:t>4. </a:t>
+            </a:r>
+            <a:r>
+              <a:rPr lang="ko-KR" altLang="en-US" sz="800" dirty="0" smtClean="0">
                 <a:solidFill>
                   <a:schemeClr val="bg2"/>
                 </a:solidFill>
@@ -14981,7 +15026,7 @@
               <a:t>전체예약조회 </a:t>
             </a:r>
             <a:r>
-              <a:rPr lang="en-US" altLang="ko-KR" sz="900" dirty="0" smtClean="0">
+              <a:rPr lang="en-US" altLang="ko-KR" sz="800" dirty="0" smtClean="0">
                 <a:solidFill>
                   <a:schemeClr val="bg2"/>
                 </a:solidFill>
@@ -14989,7 +15034,7 @@
               <a:t>5. </a:t>
             </a:r>
             <a:r>
-              <a:rPr lang="ko-KR" altLang="en-US" sz="900" dirty="0" smtClean="0">
+              <a:rPr lang="ko-KR" altLang="en-US" sz="800" dirty="0" smtClean="0">
                 <a:solidFill>
                   <a:schemeClr val="bg2"/>
                 </a:solidFill>
@@ -14997,7 +15042,7 @@
               <a:t>객실세부정보 </a:t>
             </a:r>
             <a:r>
-              <a:rPr lang="en-US" altLang="ko-KR" sz="900" dirty="0" smtClean="0">
+              <a:rPr lang="en-US" altLang="ko-KR" sz="800" dirty="0" smtClean="0">
                 <a:solidFill>
                   <a:schemeClr val="bg2"/>
                 </a:solidFill>
@@ -15005,14 +15050,14 @@
               <a:t>6. </a:t>
             </a:r>
             <a:r>
-              <a:rPr lang="ko-KR" altLang="en-US" sz="900" dirty="0" err="1" smtClean="0">
+              <a:rPr lang="ko-KR" altLang="en-US" sz="800" dirty="0" err="1" smtClean="0">
                 <a:solidFill>
                   <a:schemeClr val="bg2"/>
                 </a:solidFill>
               </a:rPr>
               <a:t>뒤로가기</a:t>
             </a:r>
-            <a:endParaRPr lang="ko-KR" altLang="en-US" sz="900" dirty="0">
+            <a:endParaRPr lang="ko-KR" altLang="en-US" sz="800" dirty="0">
               <a:solidFill>
                 <a:schemeClr val="bg2"/>
               </a:solidFill>
@@ -15423,7 +15468,7 @@
         </p:blipFill>
         <p:spPr>
           <a:xfrm>
-            <a:off x="6902450" y="0"/>
+            <a:off x="6988175" y="0"/>
             <a:ext cx="2241550" cy="2144698"/>
           </a:xfrm>
           <a:prstGeom prst="rect">
@@ -15439,7 +15484,7 @@
         </p:nvSpPr>
         <p:spPr>
           <a:xfrm>
-            <a:off x="7010051" y="52056"/>
+            <a:off x="7095776" y="52056"/>
             <a:ext cx="2027269" cy="2036669"/>
           </a:xfrm>
           <a:prstGeom prst="rect">
@@ -15490,7 +15535,7 @@
         </p:nvSpPr>
         <p:spPr>
           <a:xfrm>
-            <a:off x="7010051" y="2116231"/>
+            <a:off x="7095776" y="2116231"/>
             <a:ext cx="2016681" cy="562528"/>
           </a:xfrm>
           <a:prstGeom prst="rect">
@@ -15541,7 +15586,7 @@
         </p:nvSpPr>
         <p:spPr>
           <a:xfrm>
-            <a:off x="7009967" y="3326297"/>
+            <a:off x="7095692" y="3326297"/>
             <a:ext cx="2016765" cy="737704"/>
           </a:xfrm>
           <a:prstGeom prst="rect">
@@ -15592,7 +15637,7 @@
         </p:nvSpPr>
         <p:spPr>
           <a:xfrm>
-            <a:off x="7009967" y="2679904"/>
+            <a:off x="7095692" y="2679904"/>
             <a:ext cx="2016765" cy="634217"/>
           </a:xfrm>
           <a:prstGeom prst="rect">
@@ -15643,7 +15688,7 @@
         </p:nvSpPr>
         <p:spPr>
           <a:xfrm>
-            <a:off x="7009966" y="4102948"/>
+            <a:off x="7095691" y="4102948"/>
             <a:ext cx="2016766" cy="500802"/>
           </a:xfrm>
           <a:prstGeom prst="rect">
@@ -15694,8 +15739,8 @@
         </p:nvSpPr>
         <p:spPr>
           <a:xfrm>
-            <a:off x="6719467" y="907126"/>
-            <a:ext cx="233215" cy="233215"/>
+            <a:off x="6929182" y="907126"/>
+            <a:ext cx="242575" cy="242575"/>
           </a:xfrm>
           <a:prstGeom prst="ellipse">
             <a:avLst/>
@@ -15749,8 +15794,8 @@
         </p:nvSpPr>
         <p:spPr>
           <a:xfrm>
-            <a:off x="6719467" y="2290578"/>
-            <a:ext cx="233215" cy="233215"/>
+            <a:off x="6929182" y="2290578"/>
+            <a:ext cx="242575" cy="242575"/>
           </a:xfrm>
           <a:prstGeom prst="ellipse">
             <a:avLst/>
@@ -15804,8 +15849,8 @@
         </p:nvSpPr>
         <p:spPr>
           <a:xfrm>
-            <a:off x="6719467" y="2933021"/>
-            <a:ext cx="233215" cy="233215"/>
+            <a:off x="6929182" y="2933021"/>
+            <a:ext cx="242575" cy="242575"/>
           </a:xfrm>
           <a:prstGeom prst="ellipse">
             <a:avLst/>
@@ -15859,8 +15904,8 @@
         </p:nvSpPr>
         <p:spPr>
           <a:xfrm>
-            <a:off x="6719467" y="3611519"/>
-            <a:ext cx="233215" cy="233215"/>
+            <a:off x="6929182" y="3611519"/>
+            <a:ext cx="242575" cy="242575"/>
           </a:xfrm>
           <a:prstGeom prst="ellipse">
             <a:avLst/>
@@ -15914,8 +15959,8 @@
         </p:nvSpPr>
         <p:spPr>
           <a:xfrm>
-            <a:off x="6719467" y="4276100"/>
-            <a:ext cx="233215" cy="233215"/>
+            <a:off x="6929182" y="4276100"/>
+            <a:ext cx="242575" cy="242575"/>
           </a:xfrm>
           <a:prstGeom prst="ellipse">
             <a:avLst/>
@@ -15969,8 +16014,8 @@
         </p:nvSpPr>
         <p:spPr>
           <a:xfrm>
-            <a:off x="3101343" y="1808504"/>
-            <a:ext cx="3364348" cy="2720328"/>
+            <a:off x="3052039" y="1808503"/>
+            <a:ext cx="3499377" cy="2829509"/>
           </a:xfrm>
           <a:prstGeom prst="rect">
             <a:avLst/>
@@ -16020,8 +16065,8 @@
         </p:nvSpPr>
         <p:spPr>
           <a:xfrm>
-            <a:off x="3006329" y="3112110"/>
-            <a:ext cx="233215" cy="190153"/>
+            <a:off x="3082694" y="3112110"/>
+            <a:ext cx="242575" cy="197785"/>
           </a:xfrm>
           <a:prstGeom prst="ellipse">
             <a:avLst/>
@@ -16075,8 +16120,8 @@
         </p:nvSpPr>
         <p:spPr>
           <a:xfrm>
-            <a:off x="2577484" y="459966"/>
-            <a:ext cx="438032" cy="357150"/>
+            <a:off x="2645628" y="459965"/>
+            <a:ext cx="455613" cy="371485"/>
           </a:xfrm>
           <a:prstGeom prst="ellipse">
             <a:avLst/>
@@ -16149,8 +16194,8 @@
         </p:nvSpPr>
         <p:spPr>
           <a:xfrm>
-            <a:off x="2491759" y="44539"/>
-            <a:ext cx="438032" cy="357150"/>
+            <a:off x="2559903" y="44538"/>
+            <a:ext cx="455613" cy="371485"/>
           </a:xfrm>
           <a:prstGeom prst="ellipse">
             <a:avLst/>
@@ -16687,7 +16732,7 @@
             </a:br>
             <a:r>
               <a:rPr lang="en-US" altLang="ko-KR" sz="1050" dirty="0" smtClean="0"/>
-              <a:t>&gt; </a:t>
+              <a:t>   &gt; </a:t>
             </a:r>
             <a:r>
               <a:rPr lang="ko-KR" altLang="en-US" sz="1050" b="1" dirty="0" smtClean="0"/>
@@ -16755,7 +16800,7 @@
                   <a:schemeClr val="bg2"/>
                 </a:solidFill>
               </a:rPr>
-              <a:t>&gt; </a:t>
+              <a:t>   &gt; </a:t>
             </a:r>
             <a:r>
               <a:rPr lang="ko-KR" altLang="en-US" sz="1050" dirty="0" smtClean="0">
@@ -16800,7 +16845,15 @@
                   <a:schemeClr val="bg2"/>
                 </a:solidFill>
               </a:rPr>
-              <a:t>1. </a:t>
+              <a:t>       1</a:t>
+            </a:r>
+            <a:r>
+              <a:rPr lang="en-US" altLang="ko-KR" sz="900" dirty="0" smtClean="0">
+                <a:solidFill>
+                  <a:schemeClr val="bg2"/>
+                </a:solidFill>
+              </a:rPr>
+              <a:t>. </a:t>
             </a:r>
             <a:r>
               <a:rPr lang="ko-KR" altLang="en-US" sz="900" dirty="0" err="1" smtClean="0">
@@ -18155,7 +18208,7 @@
         </p:nvSpPr>
         <p:spPr>
           <a:xfrm>
-            <a:off x="88676" y="1261274"/>
+            <a:off x="12476" y="1261274"/>
             <a:ext cx="3173790" cy="3257400"/>
           </a:xfrm>
           <a:prstGeom prst="rect">
@@ -19855,11 +19908,7 @@
             </a:pPr>
             <a:r>
               <a:rPr lang="en-US" altLang="ko-KR" sz="1600" dirty="0" smtClean="0"/>
-              <a:t>2-2) </a:t>
-            </a:r>
-            <a:r>
-              <a:rPr lang="en-US" altLang="ko-KR" sz="1600" dirty="0" smtClean="0"/>
-              <a:t>Member </a:t>
+              <a:t>2-2) Member </a:t>
             </a:r>
             <a:r>
               <a:rPr lang="en-US" altLang="ko-KR" sz="1600" dirty="0"/>
@@ -19890,11 +19939,7 @@
             </a:pPr>
             <a:r>
               <a:rPr lang="en-US" altLang="ko-KR" sz="1050" dirty="0" smtClean="0"/>
-              <a:t>- </a:t>
-            </a:r>
-            <a:r>
-              <a:rPr lang="en-US" altLang="ko-KR" sz="1050" dirty="0" smtClean="0"/>
-              <a:t>1. </a:t>
+              <a:t>- 1. </a:t>
             </a:r>
             <a:r>
               <a:rPr lang="ko-KR" altLang="en-US" sz="1050" dirty="0" err="1" smtClean="0"/>
@@ -19949,11 +19994,7 @@
             </a:pPr>
             <a:r>
               <a:rPr lang="en-US" altLang="ko-KR" sz="1050" dirty="0" smtClean="0"/>
-              <a:t>- 3</a:t>
-            </a:r>
-            <a:r>
-              <a:rPr lang="en-US" altLang="ko-KR" sz="1050" dirty="0" smtClean="0"/>
-              <a:t>. </a:t>
+              <a:t>- 3. </a:t>
             </a:r>
             <a:r>
               <a:rPr lang="ko-KR" altLang="en-US" sz="1050" u="sng" dirty="0" err="1" smtClean="0"/>
@@ -19999,10 +20040,6 @@
               <a:rPr lang="en-US" altLang="ko-KR" sz="1050" dirty="0" smtClean="0"/>
               <a:t> == 1/2/3 )</a:t>
             </a:r>
-            <a:r>
-              <a:rPr lang="en-US" altLang="ko-KR" sz="1050" dirty="0" smtClean="0"/>
-              <a:t/>
-            </a:r>
             <a:br>
               <a:rPr lang="en-US" altLang="ko-KR" sz="1050" dirty="0" smtClean="0"/>
             </a:br>
@@ -20040,11 +20077,7 @@
             </a:r>
             <a:r>
               <a:rPr lang="en-US" altLang="ko-KR" sz="1050" dirty="0" smtClean="0"/>
-              <a:t> [ </a:t>
-            </a:r>
-            <a:r>
-              <a:rPr lang="en-US" altLang="ko-KR" sz="1050" dirty="0" smtClean="0"/>
-              <a:t>1.</a:t>
+              <a:t> [ 1.</a:t>
             </a:r>
             <a:r>
               <a:rPr lang="ko-KR" altLang="en-US" sz="1050" dirty="0" smtClean="0">
@@ -20060,11 +20093,7 @@
             </a:r>
             <a:r>
               <a:rPr lang="en-US" altLang="ko-KR" sz="1050" dirty="0" smtClean="0"/>
-              <a:t>/ </a:t>
-            </a:r>
-            <a:r>
-              <a:rPr lang="en-US" altLang="ko-KR" sz="1050" dirty="0" smtClean="0"/>
-              <a:t>2.</a:t>
+              <a:t>/ 2.</a:t>
             </a:r>
             <a:r>
               <a:rPr lang="ko-KR" altLang="en-US" sz="1050" dirty="0" smtClean="0"/>
@@ -20072,11 +20101,7 @@
             </a:r>
             <a:r>
               <a:rPr lang="en-US" altLang="ko-KR" sz="1050" dirty="0" smtClean="0"/>
-              <a:t>/ </a:t>
-            </a:r>
-            <a:r>
-              <a:rPr lang="en-US" altLang="ko-KR" sz="1050" dirty="0" smtClean="0"/>
-              <a:t>3.</a:t>
+              <a:t>/ 3.</a:t>
             </a:r>
             <a:r>
               <a:rPr lang="ko-KR" altLang="en-US" sz="1050" dirty="0" smtClean="0"/>
@@ -20086,7 +20111,6 @@
               <a:rPr lang="en-US" altLang="ko-KR" sz="1050" dirty="0" smtClean="0"/>
               <a:t>]</a:t>
             </a:r>
-            <a:endParaRPr lang="en-US" altLang="ko-KR" sz="1050" dirty="0" smtClean="0"/>
           </a:p>
           <a:p>
             <a:pPr>
@@ -20748,11 +20772,7 @@
             <a:pPr algn="r"/>
             <a:r>
               <a:rPr lang="en-US" altLang="ko-KR" sz="600" dirty="0" smtClean="0"/>
-              <a:t>3. Member controller </a:t>
-            </a:r>
-            <a:r>
-              <a:rPr lang="en-US" altLang="ko-KR" sz="600" dirty="0" smtClean="0"/>
-              <a:t>class</a:t>
+              <a:t>3. Member controller class</a:t>
             </a:r>
           </a:p>
         </p:txBody>
